--- a/docs/figs/Bayesian_graph.pptx
+++ b/docs/figs/Bayesian_graph.pptx
@@ -3001,8 +3001,8 @@
         </p:nvSpPr>
         <p:spPr>
           <a:xfrm>
-            <a:off x="1804253" y="573634"/>
-            <a:ext cx="14540546" cy="9457554"/>
+            <a:off x="1804252" y="573634"/>
+            <a:ext cx="16026547" cy="9457554"/>
           </a:xfrm>
           <a:custGeom>
             <a:avLst/>
@@ -3523,7 +3523,7 @@
         <p:spPr>
           <a:xfrm>
             <a:off x="2034742" y="2815983"/>
-            <a:ext cx="14218515" cy="7111397"/>
+            <a:ext cx="15630958" cy="7111397"/>
           </a:xfrm>
           <a:custGeom>
             <a:avLst/>
@@ -3819,7 +3819,7 @@
         </p:nvSpPr>
         <p:spPr>
           <a:xfrm>
-            <a:off x="9156111" y="494565"/>
+            <a:off x="9698786" y="520921"/>
             <a:ext cx="3537690" cy="1384995"/>
           </a:xfrm>
           <a:prstGeom prst="rect">
@@ -3988,7 +3988,7 @@
         </p:nvSpPr>
         <p:spPr>
           <a:xfrm>
-            <a:off x="13209556" y="1881524"/>
+            <a:off x="14102712" y="1906375"/>
             <a:ext cx="2821413" cy="584775"/>
           </a:xfrm>
           <a:prstGeom prst="rect">
@@ -4125,8 +4125,8 @@
         </p:nvCxnSpPr>
         <p:spPr>
           <a:xfrm flipH="1">
-            <a:off x="8123900" y="2233870"/>
-            <a:ext cx="2067160" cy="2001838"/>
+            <a:off x="8123900" y="2029610"/>
+            <a:ext cx="2462057" cy="2206098"/>
           </a:xfrm>
           <a:prstGeom prst="straightConnector1">
             <a:avLst/>
@@ -4468,8 +4468,8 @@
         </p:nvCxnSpPr>
         <p:spPr>
           <a:xfrm flipH="1">
-            <a:off x="8304420" y="1490538"/>
-            <a:ext cx="943319" cy="279036"/>
+            <a:off x="8304420" y="1496906"/>
+            <a:ext cx="1545801" cy="272668"/>
           </a:xfrm>
           <a:prstGeom prst="straightConnector1">
             <a:avLst/>
@@ -4985,7 +4985,7 @@
         </p:nvGrpSpPr>
         <p:grpSpPr>
           <a:xfrm>
-            <a:off x="9602920" y="4458560"/>
+            <a:off x="9987049" y="4393313"/>
             <a:ext cx="1936906" cy="1016516"/>
             <a:chOff x="4100114" y="5116561"/>
             <a:chExt cx="1936906" cy="1016516"/>
@@ -5121,7 +5121,7 @@
         <p:spPr>
           <a:xfrm>
             <a:off x="8304421" y="4848652"/>
-            <a:ext cx="1089765" cy="82495"/>
+            <a:ext cx="1508210" cy="32467"/>
           </a:xfrm>
           <a:prstGeom prst="straightConnector1">
             <a:avLst/>
@@ -5771,8 +5771,8 @@
         </p:nvCxnSpPr>
         <p:spPr>
           <a:xfrm>
-            <a:off x="12080119" y="1683350"/>
-            <a:ext cx="1086646" cy="456246"/>
+            <a:off x="12739992" y="1767189"/>
+            <a:ext cx="1239769" cy="466681"/>
           </a:xfrm>
           <a:prstGeom prst="straightConnector1">
             <a:avLst/>
@@ -5818,8 +5818,8 @@
         </p:nvCxnSpPr>
         <p:spPr>
           <a:xfrm flipV="1">
-            <a:off x="11696000" y="4715888"/>
-            <a:ext cx="529503" cy="110246"/>
+            <a:off x="12138151" y="4602969"/>
+            <a:ext cx="773662" cy="112856"/>
           </a:xfrm>
           <a:prstGeom prst="straightConnector1">
             <a:avLst/>
@@ -6963,7 +6963,7 @@
         </p:nvSpPr>
         <p:spPr>
           <a:xfrm>
-            <a:off x="12210786" y="3503999"/>
+            <a:off x="12893780" y="3185578"/>
             <a:ext cx="3820183" cy="2289185"/>
           </a:xfrm>
           <a:custGeom>
@@ -7710,7 +7710,7 @@
         </p:nvSpPr>
         <p:spPr>
           <a:xfrm>
-            <a:off x="12668352" y="3945806"/>
+            <a:off x="13351346" y="3627385"/>
             <a:ext cx="798852" cy="463190"/>
           </a:xfrm>
           <a:prstGeom prst="roundRect">
@@ -8353,7 +8353,7 @@
         </p:nvSpPr>
         <p:spPr>
           <a:xfrm>
-            <a:off x="12897341" y="4484293"/>
+            <a:off x="13580335" y="4165872"/>
             <a:ext cx="798852" cy="463190"/>
           </a:xfrm>
           <a:prstGeom prst="roundRect">
@@ -8432,7 +8432,7 @@
         </p:nvSpPr>
         <p:spPr>
           <a:xfrm>
-            <a:off x="13585758" y="3904760"/>
+            <a:off x="14268752" y="3586339"/>
             <a:ext cx="1660450" cy="463190"/>
           </a:xfrm>
           <a:prstGeom prst="roundRect">
@@ -8511,7 +8511,7 @@
         </p:nvSpPr>
         <p:spPr>
           <a:xfrm>
-            <a:off x="13792595" y="4484293"/>
+            <a:off x="14475589" y="4165872"/>
             <a:ext cx="1780019" cy="463190"/>
           </a:xfrm>
           <a:prstGeom prst="roundRect">
@@ -8590,7 +8590,7 @@
         </p:nvSpPr>
         <p:spPr>
           <a:xfrm>
-            <a:off x="12603402" y="5051067"/>
+            <a:off x="13286396" y="4732646"/>
             <a:ext cx="1126726" cy="463190"/>
           </a:xfrm>
           <a:prstGeom prst="roundRect">
@@ -8669,7 +8669,7 @@
         </p:nvSpPr>
         <p:spPr>
           <a:xfrm>
-            <a:off x="13857375" y="5032777"/>
+            <a:off x="14540369" y="4714356"/>
             <a:ext cx="1780019" cy="463190"/>
           </a:xfrm>
           <a:prstGeom prst="roundRect">
@@ -8759,7 +8759,7 @@
         </p:nvSpPr>
         <p:spPr>
           <a:xfrm>
-            <a:off x="12253700" y="10011492"/>
+            <a:off x="13459239" y="10124602"/>
             <a:ext cx="3942278" cy="307777"/>
           </a:xfrm>
           <a:prstGeom prst="rect">
@@ -8850,7 +8850,7 @@
         </p:blipFill>
         <p:spPr>
           <a:xfrm>
-            <a:off x="14642016" y="346274"/>
+            <a:off x="15696312" y="169956"/>
             <a:ext cx="1611241" cy="1074161"/>
           </a:xfrm>
           <a:prstGeom prst="rect">
@@ -8903,6 +8903,410 @@
           </a:p>
         </p:txBody>
       </p:sp>
+      <p:sp>
+        <p:nvSpPr>
+          <p:cNvPr id="282" name="Freeform: Shape 281">
+            <a:extLst>
+              <a:ext uri="{FF2B5EF4-FFF2-40B4-BE49-F238E27FC236}">
+                <a16:creationId xmlns:a16="http://schemas.microsoft.com/office/drawing/2014/main" id="{88FA9389-EE78-4190-CB01-C1EE54404DE7}"/>
+              </a:ext>
+            </a:extLst>
+          </p:cNvPr>
+          <p:cNvSpPr/>
+          <p:nvPr/>
+        </p:nvSpPr>
+        <p:spPr>
+          <a:xfrm>
+            <a:off x="15590773" y="5612079"/>
+            <a:ext cx="1335045" cy="2063193"/>
+          </a:xfrm>
+          <a:custGeom>
+            <a:avLst/>
+            <a:gdLst>
+              <a:gd name="connsiteX0" fmla="*/ 207994 w 2752935"/>
+              <a:gd name="connsiteY0" fmla="*/ 446502 h 2765448"/>
+              <a:gd name="connsiteX1" fmla="*/ 251537 w 2752935"/>
+              <a:gd name="connsiteY1" fmla="*/ 2405931 h 2765448"/>
+              <a:gd name="connsiteX2" fmla="*/ 2181937 w 2752935"/>
+              <a:gd name="connsiteY2" fmla="*/ 2652674 h 2765448"/>
+              <a:gd name="connsiteX3" fmla="*/ 2747994 w 2752935"/>
+              <a:gd name="connsiteY3" fmla="*/ 1128674 h 2765448"/>
+              <a:gd name="connsiteX4" fmla="*/ 1949709 w 2752935"/>
+              <a:gd name="connsiteY4" fmla="*/ 40102 h 2765448"/>
+              <a:gd name="connsiteX5" fmla="*/ 207994 w 2752935"/>
+              <a:gd name="connsiteY5" fmla="*/ 446502 h 2765448"/>
+            </a:gdLst>
+            <a:ahLst/>
+            <a:cxnLst>
+              <a:cxn ang="0">
+                <a:pos x="connsiteX0" y="connsiteY0"/>
+              </a:cxn>
+              <a:cxn ang="0">
+                <a:pos x="connsiteX1" y="connsiteY1"/>
+              </a:cxn>
+              <a:cxn ang="0">
+                <a:pos x="connsiteX2" y="connsiteY2"/>
+              </a:cxn>
+              <a:cxn ang="0">
+                <a:pos x="connsiteX3" y="connsiteY3"/>
+              </a:cxn>
+              <a:cxn ang="0">
+                <a:pos x="connsiteX4" y="connsiteY4"/>
+              </a:cxn>
+              <a:cxn ang="0">
+                <a:pos x="connsiteX5" y="connsiteY5"/>
+              </a:cxn>
+            </a:cxnLst>
+            <a:rect l="l" t="t" r="r" b="b"/>
+            <a:pathLst>
+              <a:path w="2752935" h="2765448">
+                <a:moveTo>
+                  <a:pt x="207994" y="446502"/>
+                </a:moveTo>
+                <a:cubicBezTo>
+                  <a:pt x="-75035" y="840807"/>
+                  <a:pt x="-77453" y="2038236"/>
+                  <a:pt x="251537" y="2405931"/>
+                </a:cubicBezTo>
+                <a:cubicBezTo>
+                  <a:pt x="580527" y="2773626"/>
+                  <a:pt x="1765861" y="2865550"/>
+                  <a:pt x="2181937" y="2652674"/>
+                </a:cubicBezTo>
+                <a:cubicBezTo>
+                  <a:pt x="2598013" y="2439798"/>
+                  <a:pt x="2786699" y="1564103"/>
+                  <a:pt x="2747994" y="1128674"/>
+                </a:cubicBezTo>
+                <a:cubicBezTo>
+                  <a:pt x="2709289" y="693245"/>
+                  <a:pt x="2373042" y="153797"/>
+                  <a:pt x="1949709" y="40102"/>
+                </a:cubicBezTo>
+                <a:cubicBezTo>
+                  <a:pt x="1526376" y="-73593"/>
+                  <a:pt x="491023" y="52197"/>
+                  <a:pt x="207994" y="446502"/>
+                </a:cubicBezTo>
+                <a:close/>
+              </a:path>
+            </a:pathLst>
+          </a:custGeom>
+          <a:solidFill>
+            <a:schemeClr val="bg1">
+              <a:alpha val="46000"/>
+            </a:schemeClr>
+          </a:solidFill>
+          <a:ln>
+            <a:solidFill>
+              <a:schemeClr val="bg1"/>
+            </a:solidFill>
+          </a:ln>
+        </p:spPr>
+        <p:style>
+          <a:lnRef idx="2">
+            <a:schemeClr val="accent1">
+              <a:shade val="15000"/>
+            </a:schemeClr>
+          </a:lnRef>
+          <a:fillRef idx="1">
+            <a:schemeClr val="accent1"/>
+          </a:fillRef>
+          <a:effectRef idx="0">
+            <a:schemeClr val="accent1"/>
+          </a:effectRef>
+          <a:fontRef idx="minor">
+            <a:schemeClr val="lt1"/>
+          </a:fontRef>
+        </p:style>
+        <p:txBody>
+          <a:bodyPr rtlCol="0" anchor="ctr"/>
+          <a:lstStyle/>
+          <a:p>
+            <a:pPr algn="ctr"/>
+            <a:endParaRPr lang="nl-NL"/>
+          </a:p>
+        </p:txBody>
+      </p:sp>
+      <p:sp>
+        <p:nvSpPr>
+          <p:cNvPr id="283" name="Rectangle: Rounded Corners 282">
+            <a:extLst>
+              <a:ext uri="{FF2B5EF4-FFF2-40B4-BE49-F238E27FC236}">
+                <a16:creationId xmlns:a16="http://schemas.microsoft.com/office/drawing/2014/main" id="{A01EA833-B199-4087-6C2B-BE1E1923E7A3}"/>
+              </a:ext>
+            </a:extLst>
+          </p:cNvPr>
+          <p:cNvSpPr/>
+          <p:nvPr/>
+        </p:nvSpPr>
+        <p:spPr>
+          <a:xfrm>
+            <a:off x="15818127" y="5820768"/>
+            <a:ext cx="762763" cy="463190"/>
+          </a:xfrm>
+          <a:prstGeom prst="roundRect">
+            <a:avLst/>
+          </a:prstGeom>
+          <a:solidFill>
+            <a:schemeClr val="bg1">
+              <a:lumMod val="95000"/>
+            </a:schemeClr>
+          </a:solidFill>
+          <a:ln>
+            <a:solidFill>
+              <a:schemeClr val="tx2">
+                <a:lumMod val="90000"/>
+                <a:lumOff val="10000"/>
+              </a:schemeClr>
+            </a:solidFill>
+          </a:ln>
+        </p:spPr>
+        <p:style>
+          <a:lnRef idx="2">
+            <a:schemeClr val="accent1">
+              <a:shade val="15000"/>
+            </a:schemeClr>
+          </a:lnRef>
+          <a:fillRef idx="1">
+            <a:schemeClr val="accent1"/>
+          </a:fillRef>
+          <a:effectRef idx="0">
+            <a:schemeClr val="accent1"/>
+          </a:effectRef>
+          <a:fontRef idx="minor">
+            <a:schemeClr val="lt1"/>
+          </a:fontRef>
+        </p:style>
+        <p:txBody>
+          <a:bodyPr rtlCol="0" anchor="ctr"/>
+          <a:lstStyle/>
+          <a:p>
+            <a:pPr algn="ctr" defTabSz="1097280">
+              <a:defRPr/>
+            </a:pPr>
+            <a:r>
+              <a:rPr lang="en-US" sz="1800" kern="0" dirty="0">
+                <a:solidFill>
+                  <a:prstClr val="black"/>
+                </a:solidFill>
+                <a:latin typeface="Calibri" panose="020F0502020204030204" pitchFamily="34" charset="0"/>
+                <a:ea typeface="Calibri" panose="020F0502020204030204" pitchFamily="34" charset="0"/>
+                <a:cs typeface="Calibri" panose="020F0502020204030204" pitchFamily="34" charset="0"/>
+              </a:rPr>
+              <a:t>DBN</a:t>
+            </a:r>
+            <a:endParaRPr lang="nl-NL" sz="1800" kern="0" dirty="0">
+              <a:solidFill>
+                <a:prstClr val="black"/>
+              </a:solidFill>
+              <a:latin typeface="Calibri" panose="020F0502020204030204" pitchFamily="34" charset="0"/>
+              <a:ea typeface="Calibri" panose="020F0502020204030204" pitchFamily="34" charset="0"/>
+              <a:cs typeface="Calibri" panose="020F0502020204030204" pitchFamily="34" charset="0"/>
+            </a:endParaRPr>
+          </a:p>
+        </p:txBody>
+      </p:sp>
+      <p:sp>
+        <p:nvSpPr>
+          <p:cNvPr id="284" name="Rectangle: Rounded Corners 283">
+            <a:extLst>
+              <a:ext uri="{FF2B5EF4-FFF2-40B4-BE49-F238E27FC236}">
+                <a16:creationId xmlns:a16="http://schemas.microsoft.com/office/drawing/2014/main" id="{F88715A2-97A5-7CA1-7C41-868051FCEAEF}"/>
+              </a:ext>
+            </a:extLst>
+          </p:cNvPr>
+          <p:cNvSpPr/>
+          <p:nvPr/>
+        </p:nvSpPr>
+        <p:spPr>
+          <a:xfrm>
+            <a:off x="15941687" y="7025688"/>
+            <a:ext cx="762764" cy="463190"/>
+          </a:xfrm>
+          <a:prstGeom prst="roundRect">
+            <a:avLst/>
+          </a:prstGeom>
+          <a:solidFill>
+            <a:schemeClr val="bg1">
+              <a:lumMod val="95000"/>
+            </a:schemeClr>
+          </a:solidFill>
+          <a:ln>
+            <a:solidFill>
+              <a:schemeClr val="tx2">
+                <a:lumMod val="90000"/>
+                <a:lumOff val="10000"/>
+              </a:schemeClr>
+            </a:solidFill>
+          </a:ln>
+        </p:spPr>
+        <p:style>
+          <a:lnRef idx="2">
+            <a:schemeClr val="accent1">
+              <a:shade val="15000"/>
+            </a:schemeClr>
+          </a:lnRef>
+          <a:fillRef idx="1">
+            <a:schemeClr val="accent1"/>
+          </a:fillRef>
+          <a:effectRef idx="0">
+            <a:schemeClr val="accent1"/>
+          </a:effectRef>
+          <a:fontRef idx="minor">
+            <a:schemeClr val="lt1"/>
+          </a:fontRef>
+        </p:style>
+        <p:txBody>
+          <a:bodyPr rtlCol="0" anchor="ctr"/>
+          <a:lstStyle/>
+          <a:p>
+            <a:pPr algn="ctr" defTabSz="1097280">
+              <a:defRPr/>
+            </a:pPr>
+            <a:r>
+              <a:rPr lang="en-US" sz="1800" kern="0" dirty="0">
+                <a:solidFill>
+                  <a:prstClr val="black"/>
+                </a:solidFill>
+                <a:latin typeface="Calibri" panose="020F0502020204030204" pitchFamily="34" charset="0"/>
+                <a:ea typeface="Calibri" panose="020F0502020204030204" pitchFamily="34" charset="0"/>
+                <a:cs typeface="Calibri" panose="020F0502020204030204" pitchFamily="34" charset="0"/>
+              </a:rPr>
+              <a:t>ML</a:t>
+            </a:r>
+            <a:endParaRPr lang="nl-NL" sz="1800" kern="0" dirty="0">
+              <a:solidFill>
+                <a:prstClr val="black"/>
+              </a:solidFill>
+              <a:latin typeface="Calibri" panose="020F0502020204030204" pitchFamily="34" charset="0"/>
+              <a:ea typeface="Calibri" panose="020F0502020204030204" pitchFamily="34" charset="0"/>
+              <a:cs typeface="Calibri" panose="020F0502020204030204" pitchFamily="34" charset="0"/>
+            </a:endParaRPr>
+          </a:p>
+        </p:txBody>
+      </p:sp>
+      <p:sp>
+        <p:nvSpPr>
+          <p:cNvPr id="285" name="Rectangle: Rounded Corners 284">
+            <a:extLst>
+              <a:ext uri="{FF2B5EF4-FFF2-40B4-BE49-F238E27FC236}">
+                <a16:creationId xmlns:a16="http://schemas.microsoft.com/office/drawing/2014/main" id="{E30E896F-0D6F-99D4-ECA4-C201F04F8ABF}"/>
+              </a:ext>
+            </a:extLst>
+          </p:cNvPr>
+          <p:cNvSpPr/>
+          <p:nvPr/>
+        </p:nvSpPr>
+        <p:spPr>
+          <a:xfrm>
+            <a:off x="15800991" y="6404670"/>
+            <a:ext cx="905313" cy="463190"/>
+          </a:xfrm>
+          <a:prstGeom prst="roundRect">
+            <a:avLst/>
+          </a:prstGeom>
+          <a:solidFill>
+            <a:schemeClr val="bg1">
+              <a:lumMod val="95000"/>
+            </a:schemeClr>
+          </a:solidFill>
+          <a:ln>
+            <a:solidFill>
+              <a:schemeClr val="tx2">
+                <a:lumMod val="90000"/>
+                <a:lumOff val="10000"/>
+              </a:schemeClr>
+            </a:solidFill>
+          </a:ln>
+        </p:spPr>
+        <p:style>
+          <a:lnRef idx="2">
+            <a:schemeClr val="accent1">
+              <a:shade val="15000"/>
+            </a:schemeClr>
+          </a:lnRef>
+          <a:fillRef idx="1">
+            <a:schemeClr val="accent1"/>
+          </a:fillRef>
+          <a:effectRef idx="0">
+            <a:schemeClr val="accent1"/>
+          </a:effectRef>
+          <a:fontRef idx="minor">
+            <a:schemeClr val="lt1"/>
+          </a:fontRef>
+        </p:style>
+        <p:txBody>
+          <a:bodyPr rtlCol="0" anchor="ctr"/>
+          <a:lstStyle/>
+          <a:p>
+            <a:pPr algn="ctr" defTabSz="1097280">
+              <a:defRPr/>
+            </a:pPr>
+            <a:r>
+              <a:rPr lang="en-US" sz="1800" kern="0" dirty="0">
+                <a:solidFill>
+                  <a:prstClr val="black"/>
+                </a:solidFill>
+                <a:latin typeface="Calibri" panose="020F0502020204030204" pitchFamily="34" charset="0"/>
+                <a:ea typeface="Calibri" panose="020F0502020204030204" pitchFamily="34" charset="0"/>
+                <a:cs typeface="Calibri" panose="020F0502020204030204" pitchFamily="34" charset="0"/>
+              </a:rPr>
+              <a:t>Bayes</a:t>
+            </a:r>
+            <a:endParaRPr lang="nl-NL" sz="1800" kern="0" dirty="0">
+              <a:solidFill>
+                <a:prstClr val="black"/>
+              </a:solidFill>
+              <a:latin typeface="Calibri" panose="020F0502020204030204" pitchFamily="34" charset="0"/>
+              <a:ea typeface="Calibri" panose="020F0502020204030204" pitchFamily="34" charset="0"/>
+              <a:cs typeface="Calibri" panose="020F0502020204030204" pitchFamily="34" charset="0"/>
+            </a:endParaRPr>
+          </a:p>
+        </p:txBody>
+      </p:sp>
+      <p:cxnSp>
+        <p:nvCxnSpPr>
+          <p:cNvPr id="286" name="Straight Arrow Connector 285">
+            <a:extLst>
+              <a:ext uri="{FF2B5EF4-FFF2-40B4-BE49-F238E27FC236}">
+                <a16:creationId xmlns:a16="http://schemas.microsoft.com/office/drawing/2014/main" id="{92BEE23A-EABF-9DB4-6B6F-0C1DC636004D}"/>
+              </a:ext>
+            </a:extLst>
+          </p:cNvPr>
+          <p:cNvCxnSpPr>
+            <a:cxnSpLocks/>
+          </p:cNvCxnSpPr>
+          <p:nvPr/>
+        </p:nvCxnSpPr>
+        <p:spPr>
+          <a:xfrm flipV="1">
+            <a:off x="15022407" y="6207986"/>
+            <a:ext cx="518494" cy="157750"/>
+          </a:xfrm>
+          <a:prstGeom prst="straightConnector1">
+            <a:avLst/>
+          </a:prstGeom>
+          <a:ln w="76200">
+            <a:headEnd type="none" w="med" len="med"/>
+            <a:tailEnd type="triangle" w="med" len="med"/>
+          </a:ln>
+        </p:spPr>
+        <p:style>
+          <a:lnRef idx="1">
+            <a:schemeClr val="dk1"/>
+          </a:lnRef>
+          <a:fillRef idx="0">
+            <a:schemeClr val="dk1"/>
+          </a:fillRef>
+          <a:effectRef idx="0">
+            <a:schemeClr val="dk1"/>
+          </a:effectRef>
+          <a:fontRef idx="minor">
+            <a:schemeClr val="tx1"/>
+          </a:fontRef>
+        </p:style>
+      </p:cxnSp>
     </p:spTree>
     <p:extLst>
       <p:ext uri="{BB962C8B-B14F-4D97-AF65-F5344CB8AC3E}">
